--- a/RabbitMQ_Presentation.pptx
+++ b/RabbitMQ_Presentation.pptx
@@ -18,7 +18,9 @@
     <p:sldId id="264" r:id="rId12"/>
     <p:sldId id="268" r:id="rId13"/>
     <p:sldId id="260" r:id="rId14"/>
-    <p:sldId id="269" r:id="rId15"/>
+    <p:sldId id="271" r:id="rId15"/>
+    <p:sldId id="272" r:id="rId16"/>
+    <p:sldId id="269" r:id="rId17"/>
   </p:sldIdLst>
   <p:sldSz cx="12192000" cy="6858000"/>
   <p:notesSz cx="6858000" cy="9144000"/>
@@ -6720,7 +6722,40 @@
           <a:bodyPr/>
           <a:lstStyle/>
           <a:p>
-            <a:endParaRPr lang="en-US"/>
+            <a:r>
+              <a:rPr lang="en-US" dirty="0" smtClean="0"/>
+              <a:t>Install </a:t>
+            </a:r>
+            <a:r>
+              <a:rPr lang="en-US" dirty="0" err="1" smtClean="0"/>
+              <a:t>J</a:t>
+            </a:r>
+            <a:r>
+              <a:rPr lang="en-US" dirty="0" err="1" smtClean="0"/>
+              <a:t>son</a:t>
+            </a:r>
+            <a:endParaRPr lang="en-US" dirty="0" smtClean="0"/>
+          </a:p>
+          <a:p>
+            <a:r>
+              <a:rPr lang="en-US" dirty="0" smtClean="0"/>
+              <a:t>Use standard objects</a:t>
+            </a:r>
+          </a:p>
+          <a:p>
+            <a:r>
+              <a:rPr lang="en-US" dirty="0" smtClean="0"/>
+              <a:t>Works with all types of exchanges – direct, </a:t>
+            </a:r>
+            <a:r>
+              <a:rPr lang="en-US" dirty="0" err="1" smtClean="0"/>
+              <a:t>fanout</a:t>
+            </a:r>
+            <a:r>
+              <a:rPr lang="en-US" dirty="0" smtClean="0"/>
+              <a:t>, topic and header</a:t>
+            </a:r>
+            <a:endParaRPr lang="en-US" dirty="0"/>
           </a:p>
         </p:txBody>
       </p:sp>
@@ -6771,6 +6806,543 @@
           <a:p>
             <a:r>
               <a:rPr lang="en-US" dirty="0" smtClean="0"/>
+              <a:t>Publish </a:t>
+            </a:r>
+            <a:r>
+              <a:rPr lang="en-US" dirty="0" smtClean="0"/>
+              <a:t>Serialized </a:t>
+            </a:r>
+            <a:r>
+              <a:rPr lang="en-US" dirty="0" smtClean="0"/>
+              <a:t>Code</a:t>
+            </a:r>
+            <a:endParaRPr lang="en-US" dirty="0"/>
+          </a:p>
+        </p:txBody>
+      </p:sp>
+      <p:sp>
+        <p:nvSpPr>
+          <p:cNvPr id="4" name="Content Placeholder 3"/>
+          <p:cNvSpPr>
+            <a:spLocks noGrp="1"/>
+          </p:cNvSpPr>
+          <p:nvPr>
+            <p:ph idx="1"/>
+          </p:nvPr>
+        </p:nvSpPr>
+        <p:spPr/>
+        <p:txBody>
+          <a:bodyPr>
+            <a:normAutofit/>
+          </a:bodyPr>
+          <a:lstStyle/>
+          <a:p>
+            <a:pPr marL="0" indent="0">
+              <a:buNone/>
+            </a:pPr>
+            <a:r>
+              <a:rPr lang="da-DK" dirty="0" smtClean="0"/>
+              <a:t>public </a:t>
+            </a:r>
+            <a:r>
+              <a:rPr lang="da-DK" dirty="0"/>
+              <a:t>void </a:t>
+            </a:r>
+            <a:r>
+              <a:rPr lang="da-DK" dirty="0" smtClean="0"/>
+              <a:t>PublishObject(string </a:t>
+            </a:r>
+            <a:r>
+              <a:rPr lang="da-DK" dirty="0"/>
+              <a:t>message, IModel model) {</a:t>
+            </a:r>
+            <a:endParaRPr lang="en-US" dirty="0" smtClean="0"/>
+          </a:p>
+          <a:p>
+            <a:pPr marL="0" indent="0">
+              <a:buNone/>
+            </a:pPr>
+            <a:r>
+              <a:rPr lang="en-US" dirty="0" smtClean="0"/>
+              <a:t>   </a:t>
+            </a:r>
+            <a:r>
+              <a:rPr lang="en-US" dirty="0"/>
+              <a:t>Customer </a:t>
+            </a:r>
+            <a:r>
+              <a:rPr lang="en-US" dirty="0" err="1"/>
+              <a:t>customer</a:t>
+            </a:r>
+            <a:r>
+              <a:rPr lang="en-US" dirty="0"/>
+              <a:t> = new Customer() { </a:t>
+            </a:r>
+            <a:r>
+              <a:rPr lang="en-US" dirty="0" err="1"/>
+              <a:t>CustomerID</a:t>
+            </a:r>
+            <a:r>
+              <a:rPr lang="en-US" dirty="0"/>
+              <a:t> = id, </a:t>
+            </a:r>
+            <a:r>
+              <a:rPr lang="en-US" dirty="0" err="1"/>
+              <a:t>FullName</a:t>
+            </a:r>
+            <a:r>
+              <a:rPr lang="en-US" dirty="0"/>
+              <a:t> = message </a:t>
+            </a:r>
+            <a:r>
+              <a:rPr lang="en-US" dirty="0" smtClean="0"/>
+              <a:t>};</a:t>
+            </a:r>
+            <a:endParaRPr lang="en-US" dirty="0"/>
+          </a:p>
+          <a:p>
+            <a:pPr marL="0" indent="0">
+              <a:buNone/>
+            </a:pPr>
+            <a:r>
+              <a:rPr lang="en-US" dirty="0"/>
+              <a:t>  </a:t>
+            </a:r>
+            <a:r>
+              <a:rPr lang="en-US" dirty="0" err="1"/>
+              <a:t>IBasicProperties</a:t>
+            </a:r>
+            <a:r>
+              <a:rPr lang="en-US" dirty="0"/>
+              <a:t> </a:t>
+            </a:r>
+            <a:r>
+              <a:rPr lang="en-US" dirty="0" err="1"/>
+              <a:t>basicProperties</a:t>
+            </a:r>
+            <a:r>
+              <a:rPr lang="en-US" dirty="0"/>
+              <a:t> = </a:t>
+            </a:r>
+            <a:r>
+              <a:rPr lang="en-US" dirty="0" err="1"/>
+              <a:t>model.CreateBasicProperties</a:t>
+            </a:r>
+            <a:r>
+              <a:rPr lang="en-US" dirty="0"/>
+              <a:t>();</a:t>
+            </a:r>
+          </a:p>
+          <a:p>
+            <a:pPr marL="0" indent="0">
+              <a:buNone/>
+            </a:pPr>
+            <a:r>
+              <a:rPr lang="en-US" dirty="0"/>
+              <a:t>  </a:t>
+            </a:r>
+            <a:r>
+              <a:rPr lang="en-US" dirty="0" err="1"/>
+              <a:t>basicProperties.SetPersistent</a:t>
+            </a:r>
+            <a:r>
+              <a:rPr lang="en-US" dirty="0"/>
+              <a:t>(true);</a:t>
+            </a:r>
+          </a:p>
+          <a:p>
+            <a:pPr marL="0" indent="0">
+              <a:buNone/>
+            </a:pPr>
+            <a:r>
+              <a:rPr lang="en-US" dirty="0"/>
+              <a:t>  String </a:t>
+            </a:r>
+            <a:r>
+              <a:rPr lang="en-US" dirty="0" err="1"/>
+              <a:t>jsonified</a:t>
+            </a:r>
+            <a:r>
+              <a:rPr lang="en-US" dirty="0"/>
+              <a:t> = </a:t>
+            </a:r>
+            <a:r>
+              <a:rPr lang="en-US" dirty="0" err="1"/>
+              <a:t>JsonConvert.SerializeObject</a:t>
+            </a:r>
+            <a:r>
+              <a:rPr lang="en-US" dirty="0"/>
+              <a:t>(customer);</a:t>
+            </a:r>
+          </a:p>
+          <a:p>
+            <a:pPr marL="0" indent="0">
+              <a:buNone/>
+            </a:pPr>
+            <a:r>
+              <a:rPr lang="en-US" dirty="0"/>
+              <a:t>  byte[] </a:t>
+            </a:r>
+            <a:r>
+              <a:rPr lang="en-US" dirty="0" err="1"/>
+              <a:t>customerBuffer</a:t>
+            </a:r>
+            <a:r>
+              <a:rPr lang="en-US" dirty="0"/>
+              <a:t> = Encoding.UTF8.GetBytes(</a:t>
+            </a:r>
+            <a:r>
+              <a:rPr lang="en-US" dirty="0" err="1"/>
+              <a:t>jsonified</a:t>
+            </a:r>
+            <a:r>
+              <a:rPr lang="en-US" dirty="0"/>
+              <a:t>);</a:t>
+            </a:r>
+          </a:p>
+          <a:p>
+            <a:pPr marL="0" indent="0">
+              <a:buNone/>
+            </a:pPr>
+            <a:r>
+              <a:rPr lang="en-US" dirty="0"/>
+              <a:t>  </a:t>
+            </a:r>
+            <a:r>
+              <a:rPr lang="en-US" dirty="0" err="1"/>
+              <a:t>model.BasicPublish</a:t>
+            </a:r>
+            <a:r>
+              <a:rPr lang="en-US" dirty="0"/>
+              <a:t>("", _</a:t>
+            </a:r>
+            <a:r>
+              <a:rPr lang="en-US" dirty="0" err="1"/>
+              <a:t>serialisationQueueName</a:t>
+            </a:r>
+            <a:r>
+              <a:rPr lang="en-US" dirty="0"/>
+              <a:t>, </a:t>
+            </a:r>
+            <a:r>
+              <a:rPr lang="en-US" dirty="0" err="1"/>
+              <a:t>basicProperties</a:t>
+            </a:r>
+            <a:r>
+              <a:rPr lang="en-US" dirty="0"/>
+              <a:t>, </a:t>
+            </a:r>
+            <a:r>
+              <a:rPr lang="en-US" dirty="0" err="1"/>
+              <a:t>customerBuffer</a:t>
+            </a:r>
+            <a:r>
+              <a:rPr lang="en-US" dirty="0"/>
+              <a:t>);</a:t>
+            </a:r>
+            <a:endParaRPr lang="en-US" dirty="0" smtClean="0"/>
+          </a:p>
+          <a:p>
+            <a:pPr marL="0" indent="0">
+              <a:buNone/>
+            </a:pPr>
+            <a:r>
+              <a:rPr lang="en-US" dirty="0" smtClean="0"/>
+              <a:t>}</a:t>
+            </a:r>
+          </a:p>
+          <a:p>
+            <a:pPr marL="0" indent="0">
+              <a:buNone/>
+            </a:pPr>
+            <a:endParaRPr lang="en-US" dirty="0" smtClean="0"/>
+          </a:p>
+          <a:p>
+            <a:pPr marL="0" indent="0">
+              <a:buNone/>
+            </a:pPr>
+            <a:endParaRPr lang="en-US" dirty="0"/>
+          </a:p>
+          <a:p>
+            <a:pPr marL="0" indent="0">
+              <a:buNone/>
+            </a:pPr>
+            <a:endParaRPr lang="en-US" dirty="0" smtClean="0"/>
+          </a:p>
+          <a:p>
+            <a:pPr marL="0" indent="0">
+              <a:buNone/>
+            </a:pPr>
+            <a:endParaRPr lang="en-US" dirty="0"/>
+          </a:p>
+          <a:p>
+            <a:pPr marL="0" indent="0">
+              <a:buNone/>
+            </a:pPr>
+            <a:endParaRPr lang="en-US" dirty="0" smtClean="0"/>
+          </a:p>
+          <a:p>
+            <a:pPr marL="0" indent="0">
+              <a:buNone/>
+            </a:pPr>
+            <a:endParaRPr lang="en-US" dirty="0"/>
+          </a:p>
+          <a:p>
+            <a:pPr marL="0" indent="0">
+              <a:buNone/>
+            </a:pPr>
+            <a:endParaRPr lang="en-US" dirty="0" smtClean="0"/>
+          </a:p>
+          <a:p>
+            <a:pPr marL="0" indent="0">
+              <a:buNone/>
+            </a:pPr>
+            <a:endParaRPr lang="en-US" dirty="0"/>
+          </a:p>
+        </p:txBody>
+      </p:sp>
+    </p:spTree>
+    <p:extLst>
+      <p:ext uri="{BB962C8B-B14F-4D97-AF65-F5344CB8AC3E}">
+        <p14:creationId xmlns:p14="http://schemas.microsoft.com/office/powerpoint/2010/main" val="4044830825"/>
+      </p:ext>
+    </p:extLst>
+  </p:cSld>
+  <p:clrMapOvr>
+    <a:masterClrMapping/>
+  </p:clrMapOvr>
+</p:sld>
+</file>
+
+<file path=ppt/slides/slide15.xml><?xml version="1.0" encoding="utf-8"?>
+<p:sld xmlns:a="http://schemas.openxmlformats.org/drawingml/2006/main" xmlns:r="http://schemas.openxmlformats.org/officeDocument/2006/relationships" xmlns:p="http://schemas.openxmlformats.org/presentationml/2006/main">
+  <p:cSld>
+    <p:spTree>
+      <p:nvGrpSpPr>
+        <p:cNvPr id="1" name=""/>
+        <p:cNvGrpSpPr/>
+        <p:nvPr/>
+      </p:nvGrpSpPr>
+      <p:grpSpPr>
+        <a:xfrm>
+          <a:off x="0" y="0"/>
+          <a:ext cx="0" cy="0"/>
+          <a:chOff x="0" y="0"/>
+          <a:chExt cx="0" cy="0"/>
+        </a:xfrm>
+      </p:grpSpPr>
+      <p:sp>
+        <p:nvSpPr>
+          <p:cNvPr id="2" name="Title 1"/>
+          <p:cNvSpPr>
+            <a:spLocks noGrp="1"/>
+          </p:cNvSpPr>
+          <p:nvPr>
+            <p:ph type="title"/>
+          </p:nvPr>
+        </p:nvSpPr>
+        <p:spPr/>
+        <p:txBody>
+          <a:bodyPr/>
+          <a:lstStyle/>
+          <a:p>
+            <a:r>
+              <a:rPr lang="en-US" dirty="0" smtClean="0"/>
+              <a:t>Receive Serialized </a:t>
+            </a:r>
+            <a:r>
+              <a:rPr lang="en-US" dirty="0" smtClean="0"/>
+              <a:t>Code</a:t>
+            </a:r>
+            <a:endParaRPr lang="en-US" dirty="0"/>
+          </a:p>
+        </p:txBody>
+      </p:sp>
+      <p:sp>
+        <p:nvSpPr>
+          <p:cNvPr id="4" name="Content Placeholder 3"/>
+          <p:cNvSpPr>
+            <a:spLocks noGrp="1"/>
+          </p:cNvSpPr>
+          <p:nvPr>
+            <p:ph idx="1"/>
+          </p:nvPr>
+        </p:nvSpPr>
+        <p:spPr>
+          <a:xfrm>
+            <a:off x="561975" y="2052918"/>
+            <a:ext cx="11182349" cy="4195481"/>
+          </a:xfrm>
+        </p:spPr>
+        <p:txBody>
+          <a:bodyPr>
+            <a:normAutofit/>
+          </a:bodyPr>
+          <a:lstStyle/>
+          <a:p>
+            <a:pPr marL="0" indent="0">
+              <a:buNone/>
+            </a:pPr>
+            <a:r>
+              <a:rPr lang="da-DK" dirty="0"/>
+              <a:t>model.BasicQos(0, 1, false);</a:t>
+            </a:r>
+          </a:p>
+          <a:p>
+            <a:pPr marL="0" indent="0">
+              <a:buNone/>
+            </a:pPr>
+            <a:r>
+              <a:rPr lang="da-DK" dirty="0"/>
+              <a:t> QueueingBasicConsumer consumer = new QueueingBasicConsumer(model);</a:t>
+            </a:r>
+          </a:p>
+          <a:p>
+            <a:pPr marL="0" indent="0">
+              <a:buNone/>
+            </a:pPr>
+            <a:r>
+              <a:rPr lang="da-DK" dirty="0"/>
+              <a:t> model.BasicConsume(_serialisationQueueName, false, consumer);</a:t>
+            </a:r>
+          </a:p>
+          <a:p>
+            <a:pPr marL="0" indent="0">
+              <a:buNone/>
+            </a:pPr>
+            <a:r>
+              <a:rPr lang="da-DK" dirty="0"/>
+              <a:t> while (true)  {</a:t>
+            </a:r>
+          </a:p>
+          <a:p>
+            <a:pPr marL="0" indent="0">
+              <a:buNone/>
+            </a:pPr>
+            <a:r>
+              <a:rPr lang="da-DK" dirty="0"/>
+              <a:t> BasicDeliverEventArgs deliveryArguments = consumer.Queue.Dequeue() as BasicDeliverEventArgs;</a:t>
+            </a:r>
+          </a:p>
+          <a:p>
+            <a:pPr marL="0" indent="0">
+              <a:buNone/>
+            </a:pPr>
+            <a:r>
+              <a:rPr lang="da-DK" dirty="0"/>
+              <a:t> String jsonified = Encoding.UTF8.GetString(deliveryArguments.Body);</a:t>
+            </a:r>
+          </a:p>
+          <a:p>
+            <a:pPr marL="0" indent="0">
+              <a:buNone/>
+            </a:pPr>
+            <a:r>
+              <a:rPr lang="da-DK" dirty="0"/>
+              <a:t> Customer customer = JsonConvert.DeserializeObject&lt;Customer&gt;(jsonified);    model.BasicAck(deliveryArguments.DeliveryTag, false);</a:t>
+            </a:r>
+          </a:p>
+          <a:p>
+            <a:pPr marL="0" indent="0">
+              <a:buNone/>
+            </a:pPr>
+            <a:r>
+              <a:rPr lang="da-DK" dirty="0"/>
+              <a:t>            }</a:t>
+            </a:r>
+            <a:endParaRPr lang="en-US" dirty="0" smtClean="0"/>
+          </a:p>
+          <a:p>
+            <a:pPr marL="0" indent="0">
+              <a:buNone/>
+            </a:pPr>
+            <a:endParaRPr lang="en-US" dirty="0"/>
+          </a:p>
+          <a:p>
+            <a:pPr marL="0" indent="0">
+              <a:buNone/>
+            </a:pPr>
+            <a:endParaRPr lang="en-US" dirty="0" smtClean="0"/>
+          </a:p>
+          <a:p>
+            <a:pPr marL="0" indent="0">
+              <a:buNone/>
+            </a:pPr>
+            <a:endParaRPr lang="en-US" dirty="0"/>
+          </a:p>
+          <a:p>
+            <a:pPr marL="0" indent="0">
+              <a:buNone/>
+            </a:pPr>
+            <a:endParaRPr lang="en-US" dirty="0" smtClean="0"/>
+          </a:p>
+          <a:p>
+            <a:pPr marL="0" indent="0">
+              <a:buNone/>
+            </a:pPr>
+            <a:endParaRPr lang="en-US" dirty="0"/>
+          </a:p>
+          <a:p>
+            <a:pPr marL="0" indent="0">
+              <a:buNone/>
+            </a:pPr>
+            <a:endParaRPr lang="en-US" dirty="0" smtClean="0"/>
+          </a:p>
+          <a:p>
+            <a:pPr marL="0" indent="0">
+              <a:buNone/>
+            </a:pPr>
+            <a:endParaRPr lang="en-US" dirty="0"/>
+          </a:p>
+        </p:txBody>
+      </p:sp>
+    </p:spTree>
+    <p:extLst>
+      <p:ext uri="{BB962C8B-B14F-4D97-AF65-F5344CB8AC3E}">
+        <p14:creationId xmlns:p14="http://schemas.microsoft.com/office/powerpoint/2010/main" val="863646275"/>
+      </p:ext>
+    </p:extLst>
+  </p:cSld>
+  <p:clrMapOvr>
+    <a:masterClrMapping/>
+  </p:clrMapOvr>
+</p:sld>
+</file>
+
+<file path=ppt/slides/slide16.xml><?xml version="1.0" encoding="utf-8"?>
+<p:sld xmlns:a="http://schemas.openxmlformats.org/drawingml/2006/main" xmlns:r="http://schemas.openxmlformats.org/officeDocument/2006/relationships" xmlns:p="http://schemas.openxmlformats.org/presentationml/2006/main">
+  <p:cSld>
+    <p:spTree>
+      <p:nvGrpSpPr>
+        <p:cNvPr id="1" name=""/>
+        <p:cNvGrpSpPr/>
+        <p:nvPr/>
+      </p:nvGrpSpPr>
+      <p:grpSpPr>
+        <a:xfrm>
+          <a:off x="0" y="0"/>
+          <a:ext cx="0" cy="0"/>
+          <a:chOff x="0" y="0"/>
+          <a:chExt cx="0" cy="0"/>
+        </a:xfrm>
+      </p:grpSpPr>
+      <p:sp>
+        <p:nvSpPr>
+          <p:cNvPr id="2" name="Title 1"/>
+          <p:cNvSpPr>
+            <a:spLocks noGrp="1"/>
+          </p:cNvSpPr>
+          <p:nvPr>
+            <p:ph type="title"/>
+          </p:nvPr>
+        </p:nvSpPr>
+        <p:spPr/>
+        <p:txBody>
+          <a:bodyPr/>
+          <a:lstStyle/>
+          <a:p>
+            <a:r>
+              <a:rPr lang="en-US" dirty="0" smtClean="0"/>
               <a:t>??? - Questions - ???</a:t>
             </a:r>
             <a:endParaRPr lang="en-US" dirty="0"/>
@@ -6791,6 +7363,24 @@
         <p:txBody>
           <a:bodyPr/>
           <a:lstStyle/>
+          <a:p>
+            <a:pPr marL="0" indent="0">
+              <a:buNone/>
+            </a:pPr>
+            <a:r>
+              <a:rPr lang="en-US" dirty="0">
+                <a:hlinkClick r:id="rId2"/>
+              </a:rPr>
+              <a:t>https://</a:t>
+            </a:r>
+            <a:r>
+              <a:rPr lang="en-US" dirty="0" smtClean="0">
+                <a:hlinkClick r:id="rId2"/>
+              </a:rPr>
+              <a:t>bitbucket.org/kyleskelly/rabbitmq.example</a:t>
+            </a:r>
+            <a:endParaRPr lang="en-US" dirty="0" smtClean="0"/>
+          </a:p>
           <a:p>
             <a:pPr marL="0" indent="0">
               <a:buNone/>
@@ -7084,7 +7674,12 @@
             <p:ph idx="1"/>
           </p:nvPr>
         </p:nvSpPr>
-        <p:spPr/>
+        <p:spPr>
+          <a:xfrm>
+            <a:off x="1103312" y="1400176"/>
+            <a:ext cx="8946541" cy="4848224"/>
+          </a:xfrm>
+        </p:spPr>
         <p:txBody>
           <a:bodyPr>
             <a:normAutofit lnSpcReduction="10000"/>
@@ -7131,7 +7726,34 @@
           <a:p>
             <a:r>
               <a:rPr lang="en-US" dirty="0" smtClean="0"/>
-              <a:t>Setup Admin Website</a:t>
+              <a:t>Install </a:t>
+            </a:r>
+            <a:r>
+              <a:rPr lang="en-US" dirty="0" err="1" smtClean="0"/>
+              <a:t>Json</a:t>
+            </a:r>
+            <a:endParaRPr lang="en-US" dirty="0" smtClean="0"/>
+          </a:p>
+          <a:p>
+            <a:pPr lvl="1"/>
+            <a:r>
+              <a:rPr lang="en-US" dirty="0"/>
+              <a:t>Install-Package </a:t>
+            </a:r>
+            <a:r>
+              <a:rPr lang="en-US" dirty="0" err="1"/>
+              <a:t>Newtonsoft.Json</a:t>
+            </a:r>
+            <a:endParaRPr lang="en-US" dirty="0" smtClean="0"/>
+          </a:p>
+          <a:p>
+            <a:r>
+              <a:rPr lang="en-US" dirty="0" smtClean="0"/>
+              <a:t>Setup </a:t>
+            </a:r>
+            <a:r>
+              <a:rPr lang="en-US" dirty="0" smtClean="0"/>
+              <a:t>Admin Website</a:t>
             </a:r>
           </a:p>
           <a:p>
@@ -7285,11 +7907,7 @@
           <a:p>
             <a:r>
               <a:rPr lang="en-US" dirty="0" smtClean="0"/>
-              <a:t>Make all queues and exchanges durable unless the information is not </a:t>
-            </a:r>
-            <a:r>
-              <a:rPr lang="en-US" dirty="0" smtClean="0"/>
-              <a:t>important</a:t>
+              <a:t>Make all queues and exchanges durable unless the information is not important</a:t>
             </a:r>
           </a:p>
           <a:p>
